--- a/lectures/CPP-523/p-08-dummy-variables.pptx
+++ b/lectures/CPP-523/p-08-dummy-variables.pptx
@@ -14,7 +14,10 @@
     <p:sldId id="266" r:id="rId8"/>
     <p:sldId id="262" r:id="rId9"/>
     <p:sldId id="264" r:id="rId10"/>
-    <p:sldId id="263" r:id="rId11"/>
+    <p:sldId id="267" r:id="rId11"/>
+    <p:sldId id="268" r:id="rId12"/>
+    <p:sldId id="269" r:id="rId13"/>
+    <p:sldId id="263" r:id="rId14"/>
   </p:sldIdLst>
   <p:sldSz cx="12192000" cy="6858000"/>
   <p:notesSz cx="6858000" cy="9144000"/>
@@ -250,7 +253,7 @@
           <a:p>
             <a:fld id="{236362DA-6D94-4DD6-98D6-90036832D4F4}" type="datetimeFigureOut">
               <a:rPr lang="en-US" smtClean="0"/>
-              <a:t>9/22/2019</a:t>
+              <a:t>11/29/2021</a:t>
             </a:fld>
             <a:endParaRPr lang="en-US"/>
           </a:p>
@@ -418,7 +421,7 @@
           <a:p>
             <a:fld id="{236362DA-6D94-4DD6-98D6-90036832D4F4}" type="datetimeFigureOut">
               <a:rPr lang="en-US" smtClean="0"/>
-              <a:t>9/22/2019</a:t>
+              <a:t>11/29/2021</a:t>
             </a:fld>
             <a:endParaRPr lang="en-US"/>
           </a:p>
@@ -596,7 +599,7 @@
           <a:p>
             <a:fld id="{236362DA-6D94-4DD6-98D6-90036832D4F4}" type="datetimeFigureOut">
               <a:rPr lang="en-US" smtClean="0"/>
-              <a:t>9/22/2019</a:t>
+              <a:t>11/29/2021</a:t>
             </a:fld>
             <a:endParaRPr lang="en-US"/>
           </a:p>
@@ -764,7 +767,7 @@
           <a:p>
             <a:fld id="{236362DA-6D94-4DD6-98D6-90036832D4F4}" type="datetimeFigureOut">
               <a:rPr lang="en-US" smtClean="0"/>
-              <a:t>9/22/2019</a:t>
+              <a:t>11/29/2021</a:t>
             </a:fld>
             <a:endParaRPr lang="en-US"/>
           </a:p>
@@ -1009,7 +1012,7 @@
           <a:p>
             <a:fld id="{236362DA-6D94-4DD6-98D6-90036832D4F4}" type="datetimeFigureOut">
               <a:rPr lang="en-US" smtClean="0"/>
-              <a:t>9/22/2019</a:t>
+              <a:t>11/29/2021</a:t>
             </a:fld>
             <a:endParaRPr lang="en-US"/>
           </a:p>
@@ -1238,7 +1241,7 @@
           <a:p>
             <a:fld id="{236362DA-6D94-4DD6-98D6-90036832D4F4}" type="datetimeFigureOut">
               <a:rPr lang="en-US" smtClean="0"/>
-              <a:t>9/22/2019</a:t>
+              <a:t>11/29/2021</a:t>
             </a:fld>
             <a:endParaRPr lang="en-US"/>
           </a:p>
@@ -1602,7 +1605,7 @@
           <a:p>
             <a:fld id="{236362DA-6D94-4DD6-98D6-90036832D4F4}" type="datetimeFigureOut">
               <a:rPr lang="en-US" smtClean="0"/>
-              <a:t>9/22/2019</a:t>
+              <a:t>11/29/2021</a:t>
             </a:fld>
             <a:endParaRPr lang="en-US"/>
           </a:p>
@@ -1719,7 +1722,7 @@
           <a:p>
             <a:fld id="{236362DA-6D94-4DD6-98D6-90036832D4F4}" type="datetimeFigureOut">
               <a:rPr lang="en-US" smtClean="0"/>
-              <a:t>9/22/2019</a:t>
+              <a:t>11/29/2021</a:t>
             </a:fld>
             <a:endParaRPr lang="en-US"/>
           </a:p>
@@ -1814,7 +1817,7 @@
           <a:p>
             <a:fld id="{236362DA-6D94-4DD6-98D6-90036832D4F4}" type="datetimeFigureOut">
               <a:rPr lang="en-US" smtClean="0"/>
-              <a:t>9/22/2019</a:t>
+              <a:t>11/29/2021</a:t>
             </a:fld>
             <a:endParaRPr lang="en-US"/>
           </a:p>
@@ -2089,7 +2092,7 @@
           <a:p>
             <a:fld id="{236362DA-6D94-4DD6-98D6-90036832D4F4}" type="datetimeFigureOut">
               <a:rPr lang="en-US" smtClean="0"/>
-              <a:t>9/22/2019</a:t>
+              <a:t>11/29/2021</a:t>
             </a:fld>
             <a:endParaRPr lang="en-US"/>
           </a:p>
@@ -2341,7 +2344,7 @@
           <a:p>
             <a:fld id="{236362DA-6D94-4DD6-98D6-90036832D4F4}" type="datetimeFigureOut">
               <a:rPr lang="en-US" smtClean="0"/>
-              <a:t>9/22/2019</a:t>
+              <a:t>11/29/2021</a:t>
             </a:fld>
             <a:endParaRPr lang="en-US"/>
           </a:p>
@@ -2552,7 +2555,7 @@
           <a:p>
             <a:fld id="{236362DA-6D94-4DD6-98D6-90036832D4F4}" type="datetimeFigureOut">
               <a:rPr lang="en-US" smtClean="0"/>
-              <a:t>9/22/2019</a:t>
+              <a:t>11/29/2021</a:t>
             </a:fld>
             <a:endParaRPr lang="en-US"/>
           </a:p>
@@ -3014,6 +3017,1054 @@
 </file>
 
 <file path=ppt/slides/slide10.xml><?xml version="1.0" encoding="utf-8"?>
+<p:sld xmlns:a="http://schemas.openxmlformats.org/drawingml/2006/main" xmlns:r="http://schemas.openxmlformats.org/officeDocument/2006/relationships" xmlns:p="http://schemas.openxmlformats.org/presentationml/2006/main">
+  <p:cSld>
+    <p:spTree>
+      <p:nvGrpSpPr>
+        <p:cNvPr id="1" name=""/>
+        <p:cNvGrpSpPr/>
+        <p:nvPr/>
+      </p:nvGrpSpPr>
+      <p:grpSpPr>
+        <a:xfrm>
+          <a:off x="0" y="0"/>
+          <a:ext cx="0" cy="0"/>
+          <a:chOff x="0" y="0"/>
+          <a:chExt cx="0" cy="0"/>
+        </a:xfrm>
+      </p:grpSpPr>
+      <p:sp>
+        <p:nvSpPr>
+          <p:cNvPr id="2" name="Oval 1">
+            <a:extLst>
+              <a:ext uri="{FF2B5EF4-FFF2-40B4-BE49-F238E27FC236}">
+                <a16:creationId xmlns:a16="http://schemas.microsoft.com/office/drawing/2014/main" id="{41BC5EFA-63F2-4281-9020-371D4D10C768}"/>
+              </a:ext>
+            </a:extLst>
+          </p:cNvPr>
+          <p:cNvSpPr/>
+          <p:nvPr/>
+        </p:nvSpPr>
+        <p:spPr>
+          <a:xfrm>
+            <a:off x="2562045" y="1777042"/>
+            <a:ext cx="1190446" cy="1061049"/>
+          </a:xfrm>
+          <a:prstGeom prst="ellipse">
+            <a:avLst/>
+          </a:prstGeom>
+        </p:spPr>
+        <p:style>
+          <a:lnRef idx="2">
+            <a:schemeClr val="accent1">
+              <a:shade val="50000"/>
+            </a:schemeClr>
+          </a:lnRef>
+          <a:fillRef idx="1">
+            <a:schemeClr val="accent1"/>
+          </a:fillRef>
+          <a:effectRef idx="0">
+            <a:schemeClr val="accent1"/>
+          </a:effectRef>
+          <a:fontRef idx="minor">
+            <a:schemeClr val="lt1"/>
+          </a:fontRef>
+        </p:style>
+        <p:txBody>
+          <a:bodyPr rtlCol="0" anchor="ctr"/>
+          <a:lstStyle/>
+          <a:p>
+            <a:pPr algn="ctr"/>
+            <a:r>
+              <a:rPr lang="en-US" dirty="0"/>
+              <a:t>C1</a:t>
+            </a:r>
+          </a:p>
+        </p:txBody>
+      </p:sp>
+      <p:sp>
+        <p:nvSpPr>
+          <p:cNvPr id="3" name="Oval 2">
+            <a:extLst>
+              <a:ext uri="{FF2B5EF4-FFF2-40B4-BE49-F238E27FC236}">
+                <a16:creationId xmlns:a16="http://schemas.microsoft.com/office/drawing/2014/main" id="{25122FAC-FEF9-4E9C-9E57-DC6134595822}"/>
+              </a:ext>
+            </a:extLst>
+          </p:cNvPr>
+          <p:cNvSpPr/>
+          <p:nvPr/>
+        </p:nvSpPr>
+        <p:spPr>
+          <a:xfrm>
+            <a:off x="2562045" y="3489385"/>
+            <a:ext cx="1190446" cy="1061049"/>
+          </a:xfrm>
+          <a:prstGeom prst="ellipse">
+            <a:avLst/>
+          </a:prstGeom>
+        </p:spPr>
+        <p:style>
+          <a:lnRef idx="2">
+            <a:schemeClr val="accent1">
+              <a:shade val="50000"/>
+            </a:schemeClr>
+          </a:lnRef>
+          <a:fillRef idx="1">
+            <a:schemeClr val="accent1"/>
+          </a:fillRef>
+          <a:effectRef idx="0">
+            <a:schemeClr val="accent1"/>
+          </a:effectRef>
+          <a:fontRef idx="minor">
+            <a:schemeClr val="lt1"/>
+          </a:fontRef>
+        </p:style>
+        <p:txBody>
+          <a:bodyPr rtlCol="0" anchor="ctr"/>
+          <a:lstStyle/>
+          <a:p>
+            <a:pPr algn="ctr"/>
+            <a:r>
+              <a:rPr lang="en-US" dirty="0"/>
+              <a:t>T1</a:t>
+            </a:r>
+          </a:p>
+        </p:txBody>
+      </p:sp>
+      <p:sp>
+        <p:nvSpPr>
+          <p:cNvPr id="4" name="Oval 3">
+            <a:extLst>
+              <a:ext uri="{FF2B5EF4-FFF2-40B4-BE49-F238E27FC236}">
+                <a16:creationId xmlns:a16="http://schemas.microsoft.com/office/drawing/2014/main" id="{33407777-0D43-4649-B28F-7172487A81B7}"/>
+              </a:ext>
+            </a:extLst>
+          </p:cNvPr>
+          <p:cNvSpPr/>
+          <p:nvPr/>
+        </p:nvSpPr>
+        <p:spPr>
+          <a:xfrm>
+            <a:off x="5906130" y="1938214"/>
+            <a:ext cx="842983" cy="738703"/>
+          </a:xfrm>
+          <a:prstGeom prst="ellipse">
+            <a:avLst/>
+          </a:prstGeom>
+        </p:spPr>
+        <p:style>
+          <a:lnRef idx="2">
+            <a:schemeClr val="accent1">
+              <a:shade val="50000"/>
+            </a:schemeClr>
+          </a:lnRef>
+          <a:fillRef idx="1">
+            <a:schemeClr val="accent1"/>
+          </a:fillRef>
+          <a:effectRef idx="0">
+            <a:schemeClr val="accent1"/>
+          </a:effectRef>
+          <a:fontRef idx="minor">
+            <a:schemeClr val="lt1"/>
+          </a:fontRef>
+        </p:style>
+        <p:txBody>
+          <a:bodyPr rtlCol="0" anchor="ctr"/>
+          <a:lstStyle/>
+          <a:p>
+            <a:pPr algn="ctr"/>
+            <a:r>
+              <a:rPr lang="en-US" dirty="0"/>
+              <a:t>C2S</a:t>
+            </a:r>
+          </a:p>
+        </p:txBody>
+      </p:sp>
+      <p:cxnSp>
+        <p:nvCxnSpPr>
+          <p:cNvPr id="7" name="Straight Arrow Connector 6">
+            <a:extLst>
+              <a:ext uri="{FF2B5EF4-FFF2-40B4-BE49-F238E27FC236}">
+                <a16:creationId xmlns:a16="http://schemas.microsoft.com/office/drawing/2014/main" id="{79AD1E2D-DDDD-4229-9F1C-928132981AC2}"/>
+              </a:ext>
+            </a:extLst>
+          </p:cNvPr>
+          <p:cNvCxnSpPr>
+            <a:endCxn id="3" idx="0"/>
+          </p:cNvCxnSpPr>
+          <p:nvPr/>
+        </p:nvCxnSpPr>
+        <p:spPr>
+          <a:xfrm>
+            <a:off x="3157268" y="2838091"/>
+            <a:ext cx="0" cy="651294"/>
+          </a:xfrm>
+          <a:prstGeom prst="straightConnector1">
+            <a:avLst/>
+          </a:prstGeom>
+          <a:ln w="38100">
+            <a:headEnd type="triangle"/>
+            <a:tailEnd type="triangle"/>
+          </a:ln>
+        </p:spPr>
+        <p:style>
+          <a:lnRef idx="1">
+            <a:schemeClr val="accent1"/>
+          </a:lnRef>
+          <a:fillRef idx="0">
+            <a:schemeClr val="accent1"/>
+          </a:fillRef>
+          <a:effectRef idx="0">
+            <a:schemeClr val="accent1"/>
+          </a:effectRef>
+          <a:fontRef idx="minor">
+            <a:schemeClr val="tx1"/>
+          </a:fontRef>
+        </p:style>
+      </p:cxnSp>
+      <p:cxnSp>
+        <p:nvCxnSpPr>
+          <p:cNvPr id="8" name="Straight Arrow Connector 7">
+            <a:extLst>
+              <a:ext uri="{FF2B5EF4-FFF2-40B4-BE49-F238E27FC236}">
+                <a16:creationId xmlns:a16="http://schemas.microsoft.com/office/drawing/2014/main" id="{4A6A0A53-0383-4DE3-BC61-8722EF252B5F}"/>
+              </a:ext>
+            </a:extLst>
+          </p:cNvPr>
+          <p:cNvCxnSpPr/>
+          <p:nvPr/>
+        </p:nvCxnSpPr>
+        <p:spPr>
+          <a:xfrm>
+            <a:off x="6327622" y="2838091"/>
+            <a:ext cx="0" cy="651294"/>
+          </a:xfrm>
+          <a:prstGeom prst="straightConnector1">
+            <a:avLst/>
+          </a:prstGeom>
+          <a:ln w="38100">
+            <a:headEnd type="triangle"/>
+            <a:tailEnd type="triangle"/>
+          </a:ln>
+        </p:spPr>
+        <p:style>
+          <a:lnRef idx="1">
+            <a:schemeClr val="accent1"/>
+          </a:lnRef>
+          <a:fillRef idx="0">
+            <a:schemeClr val="accent1"/>
+          </a:fillRef>
+          <a:effectRef idx="0">
+            <a:schemeClr val="accent1"/>
+          </a:effectRef>
+          <a:fontRef idx="minor">
+            <a:schemeClr val="tx1"/>
+          </a:fontRef>
+        </p:style>
+      </p:cxnSp>
+      <p:sp>
+        <p:nvSpPr>
+          <p:cNvPr id="9" name="Oval 8">
+            <a:extLst>
+              <a:ext uri="{FF2B5EF4-FFF2-40B4-BE49-F238E27FC236}">
+                <a16:creationId xmlns:a16="http://schemas.microsoft.com/office/drawing/2014/main" id="{CF5B5B42-5768-4235-BF9B-01026AD86DBE}"/>
+              </a:ext>
+            </a:extLst>
+          </p:cNvPr>
+          <p:cNvSpPr/>
+          <p:nvPr/>
+        </p:nvSpPr>
+        <p:spPr>
+          <a:xfrm>
+            <a:off x="5906130" y="3650557"/>
+            <a:ext cx="842983" cy="738703"/>
+          </a:xfrm>
+          <a:prstGeom prst="ellipse">
+            <a:avLst/>
+          </a:prstGeom>
+        </p:spPr>
+        <p:style>
+          <a:lnRef idx="2">
+            <a:schemeClr val="accent1">
+              <a:shade val="50000"/>
+            </a:schemeClr>
+          </a:lnRef>
+          <a:fillRef idx="1">
+            <a:schemeClr val="accent1"/>
+          </a:fillRef>
+          <a:effectRef idx="0">
+            <a:schemeClr val="accent1"/>
+          </a:effectRef>
+          <a:fontRef idx="minor">
+            <a:schemeClr val="lt1"/>
+          </a:fontRef>
+        </p:style>
+        <p:txBody>
+          <a:bodyPr rtlCol="0" anchor="ctr"/>
+          <a:lstStyle/>
+          <a:p>
+            <a:pPr algn="ctr"/>
+            <a:r>
+              <a:rPr lang="en-US" dirty="0"/>
+              <a:t>T2</a:t>
+            </a:r>
+          </a:p>
+        </p:txBody>
+      </p:sp>
+      <p:sp>
+        <p:nvSpPr>
+          <p:cNvPr id="10" name="Oval 9">
+            <a:extLst>
+              <a:ext uri="{FF2B5EF4-FFF2-40B4-BE49-F238E27FC236}">
+                <a16:creationId xmlns:a16="http://schemas.microsoft.com/office/drawing/2014/main" id="{F11DFB7A-2413-4BFE-A6D1-1589AF062999}"/>
+              </a:ext>
+            </a:extLst>
+          </p:cNvPr>
+          <p:cNvSpPr/>
+          <p:nvPr/>
+        </p:nvSpPr>
+        <p:spPr>
+          <a:xfrm>
+            <a:off x="7383595" y="3650556"/>
+            <a:ext cx="842983" cy="738703"/>
+          </a:xfrm>
+          <a:prstGeom prst="ellipse">
+            <a:avLst/>
+          </a:prstGeom>
+          <a:solidFill>
+            <a:schemeClr val="accent2">
+              <a:lumMod val="75000"/>
+            </a:schemeClr>
+          </a:solidFill>
+        </p:spPr>
+        <p:style>
+          <a:lnRef idx="2">
+            <a:schemeClr val="accent1">
+              <a:shade val="50000"/>
+            </a:schemeClr>
+          </a:lnRef>
+          <a:fillRef idx="1">
+            <a:schemeClr val="accent1"/>
+          </a:fillRef>
+          <a:effectRef idx="0">
+            <a:schemeClr val="accent1"/>
+          </a:effectRef>
+          <a:fontRef idx="minor">
+            <a:schemeClr val="lt1"/>
+          </a:fontRef>
+        </p:style>
+        <p:txBody>
+          <a:bodyPr rtlCol="0" anchor="ctr"/>
+          <a:lstStyle/>
+          <a:p>
+            <a:pPr algn="ctr"/>
+            <a:r>
+              <a:rPr lang="en-US" dirty="0"/>
+              <a:t>T2</a:t>
+            </a:r>
+          </a:p>
+        </p:txBody>
+      </p:sp>
+      <p:sp>
+        <p:nvSpPr>
+          <p:cNvPr id="11" name="Oval 10">
+            <a:extLst>
+              <a:ext uri="{FF2B5EF4-FFF2-40B4-BE49-F238E27FC236}">
+                <a16:creationId xmlns:a16="http://schemas.microsoft.com/office/drawing/2014/main" id="{A7E3B556-3D5D-41D4-B826-54FD35E4E324}"/>
+              </a:ext>
+            </a:extLst>
+          </p:cNvPr>
+          <p:cNvSpPr/>
+          <p:nvPr/>
+        </p:nvSpPr>
+        <p:spPr>
+          <a:xfrm>
+            <a:off x="7383594" y="1938214"/>
+            <a:ext cx="842983" cy="738703"/>
+          </a:xfrm>
+          <a:prstGeom prst="ellipse">
+            <a:avLst/>
+          </a:prstGeom>
+          <a:solidFill>
+            <a:schemeClr val="accent2">
+              <a:lumMod val="75000"/>
+            </a:schemeClr>
+          </a:solidFill>
+        </p:spPr>
+        <p:style>
+          <a:lnRef idx="2">
+            <a:schemeClr val="accent1">
+              <a:shade val="50000"/>
+            </a:schemeClr>
+          </a:lnRef>
+          <a:fillRef idx="1">
+            <a:schemeClr val="accent1"/>
+          </a:fillRef>
+          <a:effectRef idx="0">
+            <a:schemeClr val="accent1"/>
+          </a:effectRef>
+          <a:fontRef idx="minor">
+            <a:schemeClr val="lt1"/>
+          </a:fontRef>
+        </p:style>
+        <p:txBody>
+          <a:bodyPr rtlCol="0" anchor="ctr"/>
+          <a:lstStyle/>
+          <a:p>
+            <a:pPr algn="ctr"/>
+            <a:r>
+              <a:rPr lang="en-US" dirty="0"/>
+              <a:t>C2L</a:t>
+            </a:r>
+          </a:p>
+        </p:txBody>
+      </p:sp>
+      <p:cxnSp>
+        <p:nvCxnSpPr>
+          <p:cNvPr id="12" name="Straight Arrow Connector 11">
+            <a:extLst>
+              <a:ext uri="{FF2B5EF4-FFF2-40B4-BE49-F238E27FC236}">
+                <a16:creationId xmlns:a16="http://schemas.microsoft.com/office/drawing/2014/main" id="{AF221019-62EE-4945-B900-293618BA2193}"/>
+              </a:ext>
+            </a:extLst>
+          </p:cNvPr>
+          <p:cNvCxnSpPr>
+            <a:cxnSpLocks/>
+            <a:stCxn id="10" idx="2"/>
+            <a:endCxn id="9" idx="6"/>
+          </p:cNvCxnSpPr>
+          <p:nvPr/>
+        </p:nvCxnSpPr>
+        <p:spPr>
+          <a:xfrm flipH="1">
+            <a:off x="6749113" y="4019908"/>
+            <a:ext cx="634482" cy="1"/>
+          </a:xfrm>
+          <a:prstGeom prst="straightConnector1">
+            <a:avLst/>
+          </a:prstGeom>
+          <a:ln w="38100">
+            <a:solidFill>
+              <a:schemeClr val="accent6">
+                <a:lumMod val="75000"/>
+              </a:schemeClr>
+            </a:solidFill>
+            <a:headEnd type="triangle"/>
+            <a:tailEnd type="triangle"/>
+          </a:ln>
+        </p:spPr>
+        <p:style>
+          <a:lnRef idx="1">
+            <a:schemeClr val="accent1"/>
+          </a:lnRef>
+          <a:fillRef idx="0">
+            <a:schemeClr val="accent1"/>
+          </a:fillRef>
+          <a:effectRef idx="0">
+            <a:schemeClr val="accent1"/>
+          </a:effectRef>
+          <a:fontRef idx="minor">
+            <a:schemeClr val="tx1"/>
+          </a:fontRef>
+        </p:style>
+      </p:cxnSp>
+      <p:cxnSp>
+        <p:nvCxnSpPr>
+          <p:cNvPr id="15" name="Straight Arrow Connector 14">
+            <a:extLst>
+              <a:ext uri="{FF2B5EF4-FFF2-40B4-BE49-F238E27FC236}">
+                <a16:creationId xmlns:a16="http://schemas.microsoft.com/office/drawing/2014/main" id="{E74BBDCC-667E-4B19-8B35-7F59DB810F6D}"/>
+              </a:ext>
+            </a:extLst>
+          </p:cNvPr>
+          <p:cNvCxnSpPr>
+            <a:cxnSpLocks/>
+            <a:stCxn id="11" idx="2"/>
+            <a:endCxn id="4" idx="6"/>
+          </p:cNvCxnSpPr>
+          <p:nvPr/>
+        </p:nvCxnSpPr>
+        <p:spPr>
+          <a:xfrm flipH="1">
+            <a:off x="6749113" y="2307566"/>
+            <a:ext cx="634481" cy="0"/>
+          </a:xfrm>
+          <a:prstGeom prst="straightConnector1">
+            <a:avLst/>
+          </a:prstGeom>
+          <a:ln w="38100">
+            <a:solidFill>
+              <a:schemeClr val="accent6">
+                <a:lumMod val="75000"/>
+              </a:schemeClr>
+            </a:solidFill>
+            <a:headEnd type="triangle"/>
+            <a:tailEnd type="triangle"/>
+          </a:ln>
+        </p:spPr>
+        <p:style>
+          <a:lnRef idx="1">
+            <a:schemeClr val="accent1"/>
+          </a:lnRef>
+          <a:fillRef idx="0">
+            <a:schemeClr val="accent1"/>
+          </a:fillRef>
+          <a:effectRef idx="0">
+            <a:schemeClr val="accent1"/>
+          </a:effectRef>
+          <a:fontRef idx="minor">
+            <a:schemeClr val="tx1"/>
+          </a:fontRef>
+        </p:style>
+      </p:cxnSp>
+      <p:cxnSp>
+        <p:nvCxnSpPr>
+          <p:cNvPr id="18" name="Straight Arrow Connector 17">
+            <a:extLst>
+              <a:ext uri="{FF2B5EF4-FFF2-40B4-BE49-F238E27FC236}">
+                <a16:creationId xmlns:a16="http://schemas.microsoft.com/office/drawing/2014/main" id="{E7D35838-B815-4716-BE86-2CAED221F30C}"/>
+              </a:ext>
+            </a:extLst>
+          </p:cNvPr>
+          <p:cNvCxnSpPr/>
+          <p:nvPr/>
+        </p:nvCxnSpPr>
+        <p:spPr>
+          <a:xfrm>
+            <a:off x="7805085" y="2838091"/>
+            <a:ext cx="0" cy="651294"/>
+          </a:xfrm>
+          <a:prstGeom prst="straightConnector1">
+            <a:avLst/>
+          </a:prstGeom>
+          <a:ln w="38100">
+            <a:headEnd type="triangle"/>
+            <a:tailEnd type="triangle"/>
+          </a:ln>
+        </p:spPr>
+        <p:style>
+          <a:lnRef idx="1">
+            <a:schemeClr val="accent1"/>
+          </a:lnRef>
+          <a:fillRef idx="0">
+            <a:schemeClr val="accent1"/>
+          </a:fillRef>
+          <a:effectRef idx="0">
+            <a:schemeClr val="accent1"/>
+          </a:effectRef>
+          <a:fontRef idx="minor">
+            <a:schemeClr val="tx1"/>
+          </a:fontRef>
+        </p:style>
+      </p:cxnSp>
+    </p:spTree>
+    <p:extLst>
+      <p:ext uri="{BB962C8B-B14F-4D97-AF65-F5344CB8AC3E}">
+        <p14:creationId xmlns:p14="http://schemas.microsoft.com/office/powerpoint/2010/main" val="2906821776"/>
+      </p:ext>
+    </p:extLst>
+  </p:cSld>
+  <p:clrMapOvr>
+    <a:masterClrMapping/>
+  </p:clrMapOvr>
+</p:sld>
+</file>
+
+<file path=ppt/slides/slide11.xml><?xml version="1.0" encoding="utf-8"?>
+<p:sld xmlns:a="http://schemas.openxmlformats.org/drawingml/2006/main" xmlns:r="http://schemas.openxmlformats.org/officeDocument/2006/relationships" xmlns:p="http://schemas.openxmlformats.org/presentationml/2006/main">
+  <p:cSld>
+    <p:spTree>
+      <p:nvGrpSpPr>
+        <p:cNvPr id="1" name=""/>
+        <p:cNvGrpSpPr/>
+        <p:nvPr/>
+      </p:nvGrpSpPr>
+      <p:grpSpPr>
+        <a:xfrm>
+          <a:off x="0" y="0"/>
+          <a:ext cx="0" cy="0"/>
+          <a:chOff x="0" y="0"/>
+          <a:chExt cx="0" cy="0"/>
+        </a:xfrm>
+      </p:grpSpPr>
+      <p:cxnSp>
+        <p:nvCxnSpPr>
+          <p:cNvPr id="3" name="Straight Connector 2">
+            <a:extLst>
+              <a:ext uri="{FF2B5EF4-FFF2-40B4-BE49-F238E27FC236}">
+                <a16:creationId xmlns:a16="http://schemas.microsoft.com/office/drawing/2014/main" id="{25261FB3-E289-4EC8-ABEA-AD6E1371FEE8}"/>
+              </a:ext>
+            </a:extLst>
+          </p:cNvPr>
+          <p:cNvCxnSpPr/>
+          <p:nvPr/>
+        </p:nvCxnSpPr>
+        <p:spPr>
+          <a:xfrm>
+            <a:off x="3209731" y="3144416"/>
+            <a:ext cx="4795934" cy="0"/>
+          </a:xfrm>
+          <a:prstGeom prst="line">
+            <a:avLst/>
+          </a:prstGeom>
+          <a:ln w="22225"/>
+        </p:spPr>
+        <p:style>
+          <a:lnRef idx="1">
+            <a:schemeClr val="accent1"/>
+          </a:lnRef>
+          <a:fillRef idx="0">
+            <a:schemeClr val="accent1"/>
+          </a:fillRef>
+          <a:effectRef idx="0">
+            <a:schemeClr val="accent1"/>
+          </a:effectRef>
+          <a:fontRef idx="minor">
+            <a:schemeClr val="tx1"/>
+          </a:fontRef>
+        </p:style>
+      </p:cxnSp>
+      <p:cxnSp>
+        <p:nvCxnSpPr>
+          <p:cNvPr id="4" name="Straight Connector 3">
+            <a:extLst>
+              <a:ext uri="{FF2B5EF4-FFF2-40B4-BE49-F238E27FC236}">
+                <a16:creationId xmlns:a16="http://schemas.microsoft.com/office/drawing/2014/main" id="{2AAE4597-9A1E-4266-A229-0FE0C854DCD1}"/>
+              </a:ext>
+            </a:extLst>
+          </p:cNvPr>
+          <p:cNvCxnSpPr>
+            <a:cxnSpLocks/>
+          </p:cNvCxnSpPr>
+          <p:nvPr/>
+        </p:nvCxnSpPr>
+        <p:spPr>
+          <a:xfrm flipV="1">
+            <a:off x="3368351" y="2155371"/>
+            <a:ext cx="4329404" cy="1931437"/>
+          </a:xfrm>
+          <a:prstGeom prst="line">
+            <a:avLst/>
+          </a:prstGeom>
+          <a:ln w="15875">
+            <a:solidFill>
+              <a:schemeClr val="accent2"/>
+            </a:solidFill>
+          </a:ln>
+        </p:spPr>
+        <p:style>
+          <a:lnRef idx="1">
+            <a:schemeClr val="accent1"/>
+          </a:lnRef>
+          <a:fillRef idx="0">
+            <a:schemeClr val="accent1"/>
+          </a:fillRef>
+          <a:effectRef idx="0">
+            <a:schemeClr val="accent1"/>
+          </a:effectRef>
+          <a:fontRef idx="minor">
+            <a:schemeClr val="tx1"/>
+          </a:fontRef>
+        </p:style>
+      </p:cxnSp>
+      <p:sp>
+        <p:nvSpPr>
+          <p:cNvPr id="7" name="TextBox 6">
+            <a:extLst>
+              <a:ext uri="{FF2B5EF4-FFF2-40B4-BE49-F238E27FC236}">
+                <a16:creationId xmlns:a16="http://schemas.microsoft.com/office/drawing/2014/main" id="{ABB5A9F1-AC08-46FC-8E09-5A164EB31623}"/>
+              </a:ext>
+            </a:extLst>
+          </p:cNvPr>
+          <p:cNvSpPr txBox="1"/>
+          <p:nvPr/>
+        </p:nvSpPr>
+        <p:spPr>
+          <a:xfrm>
+            <a:off x="8229600" y="2936423"/>
+            <a:ext cx="1349728" cy="369332"/>
+          </a:xfrm>
+          <a:prstGeom prst="rect">
+            <a:avLst/>
+          </a:prstGeom>
+          <a:noFill/>
+        </p:spPr>
+        <p:txBody>
+          <a:bodyPr wrap="none" rtlCol="0">
+            <a:spAutoFit/>
+          </a:bodyPr>
+          <a:lstStyle/>
+          <a:p>
+            <a:r>
+              <a:rPr lang="en-US" dirty="0"/>
+              <a:t>Wages ($10)</a:t>
+            </a:r>
+          </a:p>
+        </p:txBody>
+      </p:sp>
+      <p:cxnSp>
+        <p:nvCxnSpPr>
+          <p:cNvPr id="8" name="Straight Connector 7">
+            <a:extLst>
+              <a:ext uri="{FF2B5EF4-FFF2-40B4-BE49-F238E27FC236}">
+                <a16:creationId xmlns:a16="http://schemas.microsoft.com/office/drawing/2014/main" id="{DB9F8FA1-7552-42F4-9C4F-97E6D59B701F}"/>
+              </a:ext>
+            </a:extLst>
+          </p:cNvPr>
+          <p:cNvCxnSpPr/>
+          <p:nvPr/>
+        </p:nvCxnSpPr>
+        <p:spPr>
+          <a:xfrm>
+            <a:off x="3362131" y="3296816"/>
+            <a:ext cx="4795934" cy="0"/>
+          </a:xfrm>
+          <a:prstGeom prst="line">
+            <a:avLst/>
+          </a:prstGeom>
+        </p:spPr>
+        <p:style>
+          <a:lnRef idx="1">
+            <a:schemeClr val="accent1"/>
+          </a:lnRef>
+          <a:fillRef idx="0">
+            <a:schemeClr val="accent1"/>
+          </a:fillRef>
+          <a:effectRef idx="0">
+            <a:schemeClr val="accent1"/>
+          </a:effectRef>
+          <a:fontRef idx="minor">
+            <a:schemeClr val="tx1"/>
+          </a:fontRef>
+        </p:style>
+      </p:cxnSp>
+    </p:spTree>
+    <p:extLst>
+      <p:ext uri="{BB962C8B-B14F-4D97-AF65-F5344CB8AC3E}">
+        <p14:creationId xmlns:p14="http://schemas.microsoft.com/office/powerpoint/2010/main" val="2997828978"/>
+      </p:ext>
+    </p:extLst>
+  </p:cSld>
+  <p:clrMapOvr>
+    <a:masterClrMapping/>
+  </p:clrMapOvr>
+</p:sld>
+</file>
+
+<file path=ppt/slides/slide12.xml><?xml version="1.0" encoding="utf-8"?>
+<p:sld xmlns:a="http://schemas.openxmlformats.org/drawingml/2006/main" xmlns:r="http://schemas.openxmlformats.org/officeDocument/2006/relationships" xmlns:p="http://schemas.openxmlformats.org/presentationml/2006/main">
+  <p:cSld>
+    <p:spTree>
+      <p:nvGrpSpPr>
+        <p:cNvPr id="1" name=""/>
+        <p:cNvGrpSpPr/>
+        <p:nvPr/>
+      </p:nvGrpSpPr>
+      <p:grpSpPr>
+        <a:xfrm>
+          <a:off x="0" y="0"/>
+          <a:ext cx="0" cy="0"/>
+          <a:chOff x="0" y="0"/>
+          <a:chExt cx="0" cy="0"/>
+        </a:xfrm>
+      </p:grpSpPr>
+      <p:cxnSp>
+        <p:nvCxnSpPr>
+          <p:cNvPr id="3" name="Straight Connector 2">
+            <a:extLst>
+              <a:ext uri="{FF2B5EF4-FFF2-40B4-BE49-F238E27FC236}">
+                <a16:creationId xmlns:a16="http://schemas.microsoft.com/office/drawing/2014/main" id="{25261FB3-E289-4EC8-ABEA-AD6E1371FEE8}"/>
+              </a:ext>
+            </a:extLst>
+          </p:cNvPr>
+          <p:cNvCxnSpPr/>
+          <p:nvPr/>
+        </p:nvCxnSpPr>
+        <p:spPr>
+          <a:xfrm>
+            <a:off x="3209731" y="3144416"/>
+            <a:ext cx="4795934" cy="0"/>
+          </a:xfrm>
+          <a:prstGeom prst="line">
+            <a:avLst/>
+          </a:prstGeom>
+          <a:ln w="22225"/>
+        </p:spPr>
+        <p:style>
+          <a:lnRef idx="1">
+            <a:schemeClr val="accent1"/>
+          </a:lnRef>
+          <a:fillRef idx="0">
+            <a:schemeClr val="accent1"/>
+          </a:fillRef>
+          <a:effectRef idx="0">
+            <a:schemeClr val="accent1"/>
+          </a:effectRef>
+          <a:fontRef idx="minor">
+            <a:schemeClr val="tx1"/>
+          </a:fontRef>
+        </p:style>
+      </p:cxnSp>
+      <p:cxnSp>
+        <p:nvCxnSpPr>
+          <p:cNvPr id="4" name="Straight Connector 3">
+            <a:extLst>
+              <a:ext uri="{FF2B5EF4-FFF2-40B4-BE49-F238E27FC236}">
+                <a16:creationId xmlns:a16="http://schemas.microsoft.com/office/drawing/2014/main" id="{2AAE4597-9A1E-4266-A229-0FE0C854DCD1}"/>
+              </a:ext>
+            </a:extLst>
+          </p:cNvPr>
+          <p:cNvCxnSpPr>
+            <a:cxnSpLocks/>
+          </p:cNvCxnSpPr>
+          <p:nvPr/>
+        </p:nvCxnSpPr>
+        <p:spPr>
+          <a:xfrm flipV="1">
+            <a:off x="3209731" y="2127380"/>
+            <a:ext cx="4730620" cy="1017036"/>
+          </a:xfrm>
+          <a:prstGeom prst="line">
+            <a:avLst/>
+          </a:prstGeom>
+          <a:ln w="15875">
+            <a:solidFill>
+              <a:schemeClr val="accent2"/>
+            </a:solidFill>
+          </a:ln>
+        </p:spPr>
+        <p:style>
+          <a:lnRef idx="1">
+            <a:schemeClr val="accent1"/>
+          </a:lnRef>
+          <a:fillRef idx="0">
+            <a:schemeClr val="accent1"/>
+          </a:fillRef>
+          <a:effectRef idx="0">
+            <a:schemeClr val="accent1"/>
+          </a:effectRef>
+          <a:fontRef idx="minor">
+            <a:schemeClr val="tx1"/>
+          </a:fontRef>
+        </p:style>
+      </p:cxnSp>
+      <p:sp>
+        <p:nvSpPr>
+          <p:cNvPr id="7" name="TextBox 6">
+            <a:extLst>
+              <a:ext uri="{FF2B5EF4-FFF2-40B4-BE49-F238E27FC236}">
+                <a16:creationId xmlns:a16="http://schemas.microsoft.com/office/drawing/2014/main" id="{ABB5A9F1-AC08-46FC-8E09-5A164EB31623}"/>
+              </a:ext>
+            </a:extLst>
+          </p:cNvPr>
+          <p:cNvSpPr txBox="1"/>
+          <p:nvPr/>
+        </p:nvSpPr>
+        <p:spPr>
+          <a:xfrm>
+            <a:off x="8229600" y="2936423"/>
+            <a:ext cx="1214628" cy="369332"/>
+          </a:xfrm>
+          <a:prstGeom prst="rect">
+            <a:avLst/>
+          </a:prstGeom>
+          <a:noFill/>
+        </p:spPr>
+        <p:txBody>
+          <a:bodyPr wrap="none" rtlCol="0">
+            <a:spAutoFit/>
+          </a:bodyPr>
+          <a:lstStyle/>
+          <a:p>
+            <a:r>
+              <a:rPr lang="en-US" dirty="0"/>
+              <a:t>Test Scores</a:t>
+            </a:r>
+          </a:p>
+        </p:txBody>
+      </p:sp>
+      <p:cxnSp>
+        <p:nvCxnSpPr>
+          <p:cNvPr id="9" name="Straight Arrow Connector 8">
+            <a:extLst>
+              <a:ext uri="{FF2B5EF4-FFF2-40B4-BE49-F238E27FC236}">
+                <a16:creationId xmlns:a16="http://schemas.microsoft.com/office/drawing/2014/main" id="{36878CCD-581D-44AB-9946-3B9D3F147799}"/>
+              </a:ext>
+            </a:extLst>
+          </p:cNvPr>
+          <p:cNvCxnSpPr>
+            <a:cxnSpLocks/>
+          </p:cNvCxnSpPr>
+          <p:nvPr/>
+        </p:nvCxnSpPr>
+        <p:spPr>
+          <a:xfrm>
+            <a:off x="7725747" y="2337318"/>
+            <a:ext cx="0" cy="807098"/>
+          </a:xfrm>
+          <a:prstGeom prst="straightConnector1">
+            <a:avLst/>
+          </a:prstGeom>
+          <a:ln w="28575">
+            <a:headEnd type="triangle"/>
+            <a:tailEnd type="triangle"/>
+          </a:ln>
+        </p:spPr>
+        <p:style>
+          <a:lnRef idx="1">
+            <a:schemeClr val="accent1"/>
+          </a:lnRef>
+          <a:fillRef idx="0">
+            <a:schemeClr val="accent1"/>
+          </a:fillRef>
+          <a:effectRef idx="0">
+            <a:schemeClr val="accent1"/>
+          </a:effectRef>
+          <a:fontRef idx="minor">
+            <a:schemeClr val="tx1"/>
+          </a:fontRef>
+        </p:style>
+      </p:cxnSp>
+      <p:cxnSp>
+        <p:nvCxnSpPr>
+          <p:cNvPr id="11" name="Straight Arrow Connector 10">
+            <a:extLst>
+              <a:ext uri="{FF2B5EF4-FFF2-40B4-BE49-F238E27FC236}">
+                <a16:creationId xmlns:a16="http://schemas.microsoft.com/office/drawing/2014/main" id="{8E283E80-190D-485F-BC14-082B55EF81C8}"/>
+              </a:ext>
+            </a:extLst>
+          </p:cNvPr>
+          <p:cNvCxnSpPr>
+            <a:cxnSpLocks/>
+          </p:cNvCxnSpPr>
+          <p:nvPr/>
+        </p:nvCxnSpPr>
+        <p:spPr>
+          <a:xfrm>
+            <a:off x="6926425" y="2337318"/>
+            <a:ext cx="0" cy="807098"/>
+          </a:xfrm>
+          <a:prstGeom prst="straightConnector1">
+            <a:avLst/>
+          </a:prstGeom>
+          <a:ln w="28575">
+            <a:headEnd type="triangle"/>
+            <a:tailEnd type="triangle"/>
+          </a:ln>
+        </p:spPr>
+        <p:style>
+          <a:lnRef idx="1">
+            <a:schemeClr val="accent1"/>
+          </a:lnRef>
+          <a:fillRef idx="0">
+            <a:schemeClr val="accent1"/>
+          </a:fillRef>
+          <a:effectRef idx="0">
+            <a:schemeClr val="accent1"/>
+          </a:effectRef>
+          <a:fontRef idx="minor">
+            <a:schemeClr val="tx1"/>
+          </a:fontRef>
+        </p:style>
+      </p:cxnSp>
+      <p:cxnSp>
+        <p:nvCxnSpPr>
+          <p:cNvPr id="12" name="Straight Arrow Connector 11">
+            <a:extLst>
+              <a:ext uri="{FF2B5EF4-FFF2-40B4-BE49-F238E27FC236}">
+                <a16:creationId xmlns:a16="http://schemas.microsoft.com/office/drawing/2014/main" id="{87E73E33-983D-4E1D-83DC-B373D7ECC5DB}"/>
+              </a:ext>
+            </a:extLst>
+          </p:cNvPr>
+          <p:cNvCxnSpPr>
+            <a:cxnSpLocks/>
+          </p:cNvCxnSpPr>
+          <p:nvPr/>
+        </p:nvCxnSpPr>
+        <p:spPr>
+          <a:xfrm>
+            <a:off x="5900057" y="2337318"/>
+            <a:ext cx="0" cy="807098"/>
+          </a:xfrm>
+          <a:prstGeom prst="straightConnector1">
+            <a:avLst/>
+          </a:prstGeom>
+          <a:ln w="28575">
+            <a:headEnd type="triangle"/>
+            <a:tailEnd type="triangle"/>
+          </a:ln>
+        </p:spPr>
+        <p:style>
+          <a:lnRef idx="1">
+            <a:schemeClr val="accent1"/>
+          </a:lnRef>
+          <a:fillRef idx="0">
+            <a:schemeClr val="accent1"/>
+          </a:fillRef>
+          <a:effectRef idx="0">
+            <a:schemeClr val="accent1"/>
+          </a:effectRef>
+          <a:fontRef idx="minor">
+            <a:schemeClr val="tx1"/>
+          </a:fontRef>
+        </p:style>
+      </p:cxnSp>
+      <p:cxnSp>
+        <p:nvCxnSpPr>
+          <p:cNvPr id="13" name="Straight Arrow Connector 12">
+            <a:extLst>
+              <a:ext uri="{FF2B5EF4-FFF2-40B4-BE49-F238E27FC236}">
+                <a16:creationId xmlns:a16="http://schemas.microsoft.com/office/drawing/2014/main" id="{1EA3D696-F68E-41E7-B44F-69C6FD3E1DAD}"/>
+              </a:ext>
+            </a:extLst>
+          </p:cNvPr>
+          <p:cNvCxnSpPr>
+            <a:cxnSpLocks/>
+          </p:cNvCxnSpPr>
+          <p:nvPr/>
+        </p:nvCxnSpPr>
+        <p:spPr>
+          <a:xfrm>
+            <a:off x="4649755" y="2337318"/>
+            <a:ext cx="0" cy="807098"/>
+          </a:xfrm>
+          <a:prstGeom prst="straightConnector1">
+            <a:avLst/>
+          </a:prstGeom>
+          <a:ln w="28575">
+            <a:headEnd type="triangle"/>
+            <a:tailEnd type="triangle"/>
+          </a:ln>
+        </p:spPr>
+        <p:style>
+          <a:lnRef idx="1">
+            <a:schemeClr val="accent1"/>
+          </a:lnRef>
+          <a:fillRef idx="0">
+            <a:schemeClr val="accent1"/>
+          </a:fillRef>
+          <a:effectRef idx="0">
+            <a:schemeClr val="accent1"/>
+          </a:effectRef>
+          <a:fontRef idx="minor">
+            <a:schemeClr val="tx1"/>
+          </a:fontRef>
+        </p:style>
+      </p:cxnSp>
+    </p:spTree>
+    <p:extLst>
+      <p:ext uri="{BB962C8B-B14F-4D97-AF65-F5344CB8AC3E}">
+        <p14:creationId xmlns:p14="http://schemas.microsoft.com/office/powerpoint/2010/main" val="3018151823"/>
+      </p:ext>
+    </p:extLst>
+  </p:cSld>
+  <p:clrMapOvr>
+    <a:masterClrMapping/>
+  </p:clrMapOvr>
+</p:sld>
+</file>
+
+<file path=ppt/slides/slide13.xml><?xml version="1.0" encoding="utf-8"?>
 <p:sld xmlns:a="http://schemas.openxmlformats.org/drawingml/2006/main" xmlns:r="http://schemas.openxmlformats.org/officeDocument/2006/relationships" xmlns:p="http://schemas.openxmlformats.org/presentationml/2006/main">
   <p:cSld>
     <p:spTree>

--- a/lectures/CPP-523/p-08-dummy-variables.pptx
+++ b/lectures/CPP-523/p-08-dummy-variables.pptx
@@ -14,10 +14,7 @@
     <p:sldId id="266" r:id="rId8"/>
     <p:sldId id="262" r:id="rId9"/>
     <p:sldId id="264" r:id="rId10"/>
-    <p:sldId id="267" r:id="rId11"/>
-    <p:sldId id="268" r:id="rId12"/>
-    <p:sldId id="269" r:id="rId13"/>
-    <p:sldId id="263" r:id="rId14"/>
+    <p:sldId id="263" r:id="rId11"/>
   </p:sldIdLst>
   <p:sldSz cx="12192000" cy="6858000"/>
   <p:notesSz cx="6858000" cy="9144000"/>
@@ -253,7 +250,7 @@
           <a:p>
             <a:fld id="{236362DA-6D94-4DD6-98D6-90036832D4F4}" type="datetimeFigureOut">
               <a:rPr lang="en-US" smtClean="0"/>
-              <a:t>11/29/2021</a:t>
+              <a:t>11/30/2021</a:t>
             </a:fld>
             <a:endParaRPr lang="en-US"/>
           </a:p>
@@ -421,7 +418,7 @@
           <a:p>
             <a:fld id="{236362DA-6D94-4DD6-98D6-90036832D4F4}" type="datetimeFigureOut">
               <a:rPr lang="en-US" smtClean="0"/>
-              <a:t>11/29/2021</a:t>
+              <a:t>11/30/2021</a:t>
             </a:fld>
             <a:endParaRPr lang="en-US"/>
           </a:p>
@@ -599,7 +596,7 @@
           <a:p>
             <a:fld id="{236362DA-6D94-4DD6-98D6-90036832D4F4}" type="datetimeFigureOut">
               <a:rPr lang="en-US" smtClean="0"/>
-              <a:t>11/29/2021</a:t>
+              <a:t>11/30/2021</a:t>
             </a:fld>
             <a:endParaRPr lang="en-US"/>
           </a:p>
@@ -767,7 +764,7 @@
           <a:p>
             <a:fld id="{236362DA-6D94-4DD6-98D6-90036832D4F4}" type="datetimeFigureOut">
               <a:rPr lang="en-US" smtClean="0"/>
-              <a:t>11/29/2021</a:t>
+              <a:t>11/30/2021</a:t>
             </a:fld>
             <a:endParaRPr lang="en-US"/>
           </a:p>
@@ -1012,7 +1009,7 @@
           <a:p>
             <a:fld id="{236362DA-6D94-4DD6-98D6-90036832D4F4}" type="datetimeFigureOut">
               <a:rPr lang="en-US" smtClean="0"/>
-              <a:t>11/29/2021</a:t>
+              <a:t>11/30/2021</a:t>
             </a:fld>
             <a:endParaRPr lang="en-US"/>
           </a:p>
@@ -1241,7 +1238,7 @@
           <a:p>
             <a:fld id="{236362DA-6D94-4DD6-98D6-90036832D4F4}" type="datetimeFigureOut">
               <a:rPr lang="en-US" smtClean="0"/>
-              <a:t>11/29/2021</a:t>
+              <a:t>11/30/2021</a:t>
             </a:fld>
             <a:endParaRPr lang="en-US"/>
           </a:p>
@@ -1605,7 +1602,7 @@
           <a:p>
             <a:fld id="{236362DA-6D94-4DD6-98D6-90036832D4F4}" type="datetimeFigureOut">
               <a:rPr lang="en-US" smtClean="0"/>
-              <a:t>11/29/2021</a:t>
+              <a:t>11/30/2021</a:t>
             </a:fld>
             <a:endParaRPr lang="en-US"/>
           </a:p>
@@ -1722,7 +1719,7 @@
           <a:p>
             <a:fld id="{236362DA-6D94-4DD6-98D6-90036832D4F4}" type="datetimeFigureOut">
               <a:rPr lang="en-US" smtClean="0"/>
-              <a:t>11/29/2021</a:t>
+              <a:t>11/30/2021</a:t>
             </a:fld>
             <a:endParaRPr lang="en-US"/>
           </a:p>
@@ -1817,7 +1814,7 @@
           <a:p>
             <a:fld id="{236362DA-6D94-4DD6-98D6-90036832D4F4}" type="datetimeFigureOut">
               <a:rPr lang="en-US" smtClean="0"/>
-              <a:t>11/29/2021</a:t>
+              <a:t>11/30/2021</a:t>
             </a:fld>
             <a:endParaRPr lang="en-US"/>
           </a:p>
@@ -2092,7 +2089,7 @@
           <a:p>
             <a:fld id="{236362DA-6D94-4DD6-98D6-90036832D4F4}" type="datetimeFigureOut">
               <a:rPr lang="en-US" smtClean="0"/>
-              <a:t>11/29/2021</a:t>
+              <a:t>11/30/2021</a:t>
             </a:fld>
             <a:endParaRPr lang="en-US"/>
           </a:p>
@@ -2344,7 +2341,7 @@
           <a:p>
             <a:fld id="{236362DA-6D94-4DD6-98D6-90036832D4F4}" type="datetimeFigureOut">
               <a:rPr lang="en-US" smtClean="0"/>
-              <a:t>11/29/2021</a:t>
+              <a:t>11/30/2021</a:t>
             </a:fld>
             <a:endParaRPr lang="en-US"/>
           </a:p>
@@ -2555,7 +2552,7 @@
           <a:p>
             <a:fld id="{236362DA-6D94-4DD6-98D6-90036832D4F4}" type="datetimeFigureOut">
               <a:rPr lang="en-US" smtClean="0"/>
-              <a:t>11/29/2021</a:t>
+              <a:t>11/30/2021</a:t>
             </a:fld>
             <a:endParaRPr lang="en-US"/>
           </a:p>
@@ -3017,1054 +3014,6 @@
 </file>
 
 <file path=ppt/slides/slide10.xml><?xml version="1.0" encoding="utf-8"?>
-<p:sld xmlns:a="http://schemas.openxmlformats.org/drawingml/2006/main" xmlns:r="http://schemas.openxmlformats.org/officeDocument/2006/relationships" xmlns:p="http://schemas.openxmlformats.org/presentationml/2006/main">
-  <p:cSld>
-    <p:spTree>
-      <p:nvGrpSpPr>
-        <p:cNvPr id="1" name=""/>
-        <p:cNvGrpSpPr/>
-        <p:nvPr/>
-      </p:nvGrpSpPr>
-      <p:grpSpPr>
-        <a:xfrm>
-          <a:off x="0" y="0"/>
-          <a:ext cx="0" cy="0"/>
-          <a:chOff x="0" y="0"/>
-          <a:chExt cx="0" cy="0"/>
-        </a:xfrm>
-      </p:grpSpPr>
-      <p:sp>
-        <p:nvSpPr>
-          <p:cNvPr id="2" name="Oval 1">
-            <a:extLst>
-              <a:ext uri="{FF2B5EF4-FFF2-40B4-BE49-F238E27FC236}">
-                <a16:creationId xmlns:a16="http://schemas.microsoft.com/office/drawing/2014/main" id="{41BC5EFA-63F2-4281-9020-371D4D10C768}"/>
-              </a:ext>
-            </a:extLst>
-          </p:cNvPr>
-          <p:cNvSpPr/>
-          <p:nvPr/>
-        </p:nvSpPr>
-        <p:spPr>
-          <a:xfrm>
-            <a:off x="2562045" y="1777042"/>
-            <a:ext cx="1190446" cy="1061049"/>
-          </a:xfrm>
-          <a:prstGeom prst="ellipse">
-            <a:avLst/>
-          </a:prstGeom>
-        </p:spPr>
-        <p:style>
-          <a:lnRef idx="2">
-            <a:schemeClr val="accent1">
-              <a:shade val="50000"/>
-            </a:schemeClr>
-          </a:lnRef>
-          <a:fillRef idx="1">
-            <a:schemeClr val="accent1"/>
-          </a:fillRef>
-          <a:effectRef idx="0">
-            <a:schemeClr val="accent1"/>
-          </a:effectRef>
-          <a:fontRef idx="minor">
-            <a:schemeClr val="lt1"/>
-          </a:fontRef>
-        </p:style>
-        <p:txBody>
-          <a:bodyPr rtlCol="0" anchor="ctr"/>
-          <a:lstStyle/>
-          <a:p>
-            <a:pPr algn="ctr"/>
-            <a:r>
-              <a:rPr lang="en-US" dirty="0"/>
-              <a:t>C1</a:t>
-            </a:r>
-          </a:p>
-        </p:txBody>
-      </p:sp>
-      <p:sp>
-        <p:nvSpPr>
-          <p:cNvPr id="3" name="Oval 2">
-            <a:extLst>
-              <a:ext uri="{FF2B5EF4-FFF2-40B4-BE49-F238E27FC236}">
-                <a16:creationId xmlns:a16="http://schemas.microsoft.com/office/drawing/2014/main" id="{25122FAC-FEF9-4E9C-9E57-DC6134595822}"/>
-              </a:ext>
-            </a:extLst>
-          </p:cNvPr>
-          <p:cNvSpPr/>
-          <p:nvPr/>
-        </p:nvSpPr>
-        <p:spPr>
-          <a:xfrm>
-            <a:off x="2562045" y="3489385"/>
-            <a:ext cx="1190446" cy="1061049"/>
-          </a:xfrm>
-          <a:prstGeom prst="ellipse">
-            <a:avLst/>
-          </a:prstGeom>
-        </p:spPr>
-        <p:style>
-          <a:lnRef idx="2">
-            <a:schemeClr val="accent1">
-              <a:shade val="50000"/>
-            </a:schemeClr>
-          </a:lnRef>
-          <a:fillRef idx="1">
-            <a:schemeClr val="accent1"/>
-          </a:fillRef>
-          <a:effectRef idx="0">
-            <a:schemeClr val="accent1"/>
-          </a:effectRef>
-          <a:fontRef idx="minor">
-            <a:schemeClr val="lt1"/>
-          </a:fontRef>
-        </p:style>
-        <p:txBody>
-          <a:bodyPr rtlCol="0" anchor="ctr"/>
-          <a:lstStyle/>
-          <a:p>
-            <a:pPr algn="ctr"/>
-            <a:r>
-              <a:rPr lang="en-US" dirty="0"/>
-              <a:t>T1</a:t>
-            </a:r>
-          </a:p>
-        </p:txBody>
-      </p:sp>
-      <p:sp>
-        <p:nvSpPr>
-          <p:cNvPr id="4" name="Oval 3">
-            <a:extLst>
-              <a:ext uri="{FF2B5EF4-FFF2-40B4-BE49-F238E27FC236}">
-                <a16:creationId xmlns:a16="http://schemas.microsoft.com/office/drawing/2014/main" id="{33407777-0D43-4649-B28F-7172487A81B7}"/>
-              </a:ext>
-            </a:extLst>
-          </p:cNvPr>
-          <p:cNvSpPr/>
-          <p:nvPr/>
-        </p:nvSpPr>
-        <p:spPr>
-          <a:xfrm>
-            <a:off x="5906130" y="1938214"/>
-            <a:ext cx="842983" cy="738703"/>
-          </a:xfrm>
-          <a:prstGeom prst="ellipse">
-            <a:avLst/>
-          </a:prstGeom>
-        </p:spPr>
-        <p:style>
-          <a:lnRef idx="2">
-            <a:schemeClr val="accent1">
-              <a:shade val="50000"/>
-            </a:schemeClr>
-          </a:lnRef>
-          <a:fillRef idx="1">
-            <a:schemeClr val="accent1"/>
-          </a:fillRef>
-          <a:effectRef idx="0">
-            <a:schemeClr val="accent1"/>
-          </a:effectRef>
-          <a:fontRef idx="minor">
-            <a:schemeClr val="lt1"/>
-          </a:fontRef>
-        </p:style>
-        <p:txBody>
-          <a:bodyPr rtlCol="0" anchor="ctr"/>
-          <a:lstStyle/>
-          <a:p>
-            <a:pPr algn="ctr"/>
-            <a:r>
-              <a:rPr lang="en-US" dirty="0"/>
-              <a:t>C2S</a:t>
-            </a:r>
-          </a:p>
-        </p:txBody>
-      </p:sp>
-      <p:cxnSp>
-        <p:nvCxnSpPr>
-          <p:cNvPr id="7" name="Straight Arrow Connector 6">
-            <a:extLst>
-              <a:ext uri="{FF2B5EF4-FFF2-40B4-BE49-F238E27FC236}">
-                <a16:creationId xmlns:a16="http://schemas.microsoft.com/office/drawing/2014/main" id="{79AD1E2D-DDDD-4229-9F1C-928132981AC2}"/>
-              </a:ext>
-            </a:extLst>
-          </p:cNvPr>
-          <p:cNvCxnSpPr>
-            <a:endCxn id="3" idx="0"/>
-          </p:cNvCxnSpPr>
-          <p:nvPr/>
-        </p:nvCxnSpPr>
-        <p:spPr>
-          <a:xfrm>
-            <a:off x="3157268" y="2838091"/>
-            <a:ext cx="0" cy="651294"/>
-          </a:xfrm>
-          <a:prstGeom prst="straightConnector1">
-            <a:avLst/>
-          </a:prstGeom>
-          <a:ln w="38100">
-            <a:headEnd type="triangle"/>
-            <a:tailEnd type="triangle"/>
-          </a:ln>
-        </p:spPr>
-        <p:style>
-          <a:lnRef idx="1">
-            <a:schemeClr val="accent1"/>
-          </a:lnRef>
-          <a:fillRef idx="0">
-            <a:schemeClr val="accent1"/>
-          </a:fillRef>
-          <a:effectRef idx="0">
-            <a:schemeClr val="accent1"/>
-          </a:effectRef>
-          <a:fontRef idx="minor">
-            <a:schemeClr val="tx1"/>
-          </a:fontRef>
-        </p:style>
-      </p:cxnSp>
-      <p:cxnSp>
-        <p:nvCxnSpPr>
-          <p:cNvPr id="8" name="Straight Arrow Connector 7">
-            <a:extLst>
-              <a:ext uri="{FF2B5EF4-FFF2-40B4-BE49-F238E27FC236}">
-                <a16:creationId xmlns:a16="http://schemas.microsoft.com/office/drawing/2014/main" id="{4A6A0A53-0383-4DE3-BC61-8722EF252B5F}"/>
-              </a:ext>
-            </a:extLst>
-          </p:cNvPr>
-          <p:cNvCxnSpPr/>
-          <p:nvPr/>
-        </p:nvCxnSpPr>
-        <p:spPr>
-          <a:xfrm>
-            <a:off x="6327622" y="2838091"/>
-            <a:ext cx="0" cy="651294"/>
-          </a:xfrm>
-          <a:prstGeom prst="straightConnector1">
-            <a:avLst/>
-          </a:prstGeom>
-          <a:ln w="38100">
-            <a:headEnd type="triangle"/>
-            <a:tailEnd type="triangle"/>
-          </a:ln>
-        </p:spPr>
-        <p:style>
-          <a:lnRef idx="1">
-            <a:schemeClr val="accent1"/>
-          </a:lnRef>
-          <a:fillRef idx="0">
-            <a:schemeClr val="accent1"/>
-          </a:fillRef>
-          <a:effectRef idx="0">
-            <a:schemeClr val="accent1"/>
-          </a:effectRef>
-          <a:fontRef idx="minor">
-            <a:schemeClr val="tx1"/>
-          </a:fontRef>
-        </p:style>
-      </p:cxnSp>
-      <p:sp>
-        <p:nvSpPr>
-          <p:cNvPr id="9" name="Oval 8">
-            <a:extLst>
-              <a:ext uri="{FF2B5EF4-FFF2-40B4-BE49-F238E27FC236}">
-                <a16:creationId xmlns:a16="http://schemas.microsoft.com/office/drawing/2014/main" id="{CF5B5B42-5768-4235-BF9B-01026AD86DBE}"/>
-              </a:ext>
-            </a:extLst>
-          </p:cNvPr>
-          <p:cNvSpPr/>
-          <p:nvPr/>
-        </p:nvSpPr>
-        <p:spPr>
-          <a:xfrm>
-            <a:off x="5906130" y="3650557"/>
-            <a:ext cx="842983" cy="738703"/>
-          </a:xfrm>
-          <a:prstGeom prst="ellipse">
-            <a:avLst/>
-          </a:prstGeom>
-        </p:spPr>
-        <p:style>
-          <a:lnRef idx="2">
-            <a:schemeClr val="accent1">
-              <a:shade val="50000"/>
-            </a:schemeClr>
-          </a:lnRef>
-          <a:fillRef idx="1">
-            <a:schemeClr val="accent1"/>
-          </a:fillRef>
-          <a:effectRef idx="0">
-            <a:schemeClr val="accent1"/>
-          </a:effectRef>
-          <a:fontRef idx="minor">
-            <a:schemeClr val="lt1"/>
-          </a:fontRef>
-        </p:style>
-        <p:txBody>
-          <a:bodyPr rtlCol="0" anchor="ctr"/>
-          <a:lstStyle/>
-          <a:p>
-            <a:pPr algn="ctr"/>
-            <a:r>
-              <a:rPr lang="en-US" dirty="0"/>
-              <a:t>T2</a:t>
-            </a:r>
-          </a:p>
-        </p:txBody>
-      </p:sp>
-      <p:sp>
-        <p:nvSpPr>
-          <p:cNvPr id="10" name="Oval 9">
-            <a:extLst>
-              <a:ext uri="{FF2B5EF4-FFF2-40B4-BE49-F238E27FC236}">
-                <a16:creationId xmlns:a16="http://schemas.microsoft.com/office/drawing/2014/main" id="{F11DFB7A-2413-4BFE-A6D1-1589AF062999}"/>
-              </a:ext>
-            </a:extLst>
-          </p:cNvPr>
-          <p:cNvSpPr/>
-          <p:nvPr/>
-        </p:nvSpPr>
-        <p:spPr>
-          <a:xfrm>
-            <a:off x="7383595" y="3650556"/>
-            <a:ext cx="842983" cy="738703"/>
-          </a:xfrm>
-          <a:prstGeom prst="ellipse">
-            <a:avLst/>
-          </a:prstGeom>
-          <a:solidFill>
-            <a:schemeClr val="accent2">
-              <a:lumMod val="75000"/>
-            </a:schemeClr>
-          </a:solidFill>
-        </p:spPr>
-        <p:style>
-          <a:lnRef idx="2">
-            <a:schemeClr val="accent1">
-              <a:shade val="50000"/>
-            </a:schemeClr>
-          </a:lnRef>
-          <a:fillRef idx="1">
-            <a:schemeClr val="accent1"/>
-          </a:fillRef>
-          <a:effectRef idx="0">
-            <a:schemeClr val="accent1"/>
-          </a:effectRef>
-          <a:fontRef idx="minor">
-            <a:schemeClr val="lt1"/>
-          </a:fontRef>
-        </p:style>
-        <p:txBody>
-          <a:bodyPr rtlCol="0" anchor="ctr"/>
-          <a:lstStyle/>
-          <a:p>
-            <a:pPr algn="ctr"/>
-            <a:r>
-              <a:rPr lang="en-US" dirty="0"/>
-              <a:t>T2</a:t>
-            </a:r>
-          </a:p>
-        </p:txBody>
-      </p:sp>
-      <p:sp>
-        <p:nvSpPr>
-          <p:cNvPr id="11" name="Oval 10">
-            <a:extLst>
-              <a:ext uri="{FF2B5EF4-FFF2-40B4-BE49-F238E27FC236}">
-                <a16:creationId xmlns:a16="http://schemas.microsoft.com/office/drawing/2014/main" id="{A7E3B556-3D5D-41D4-B826-54FD35E4E324}"/>
-              </a:ext>
-            </a:extLst>
-          </p:cNvPr>
-          <p:cNvSpPr/>
-          <p:nvPr/>
-        </p:nvSpPr>
-        <p:spPr>
-          <a:xfrm>
-            <a:off x="7383594" y="1938214"/>
-            <a:ext cx="842983" cy="738703"/>
-          </a:xfrm>
-          <a:prstGeom prst="ellipse">
-            <a:avLst/>
-          </a:prstGeom>
-          <a:solidFill>
-            <a:schemeClr val="accent2">
-              <a:lumMod val="75000"/>
-            </a:schemeClr>
-          </a:solidFill>
-        </p:spPr>
-        <p:style>
-          <a:lnRef idx="2">
-            <a:schemeClr val="accent1">
-              <a:shade val="50000"/>
-            </a:schemeClr>
-          </a:lnRef>
-          <a:fillRef idx="1">
-            <a:schemeClr val="accent1"/>
-          </a:fillRef>
-          <a:effectRef idx="0">
-            <a:schemeClr val="accent1"/>
-          </a:effectRef>
-          <a:fontRef idx="minor">
-            <a:schemeClr val="lt1"/>
-          </a:fontRef>
-        </p:style>
-        <p:txBody>
-          <a:bodyPr rtlCol="0" anchor="ctr"/>
-          <a:lstStyle/>
-          <a:p>
-            <a:pPr algn="ctr"/>
-            <a:r>
-              <a:rPr lang="en-US" dirty="0"/>
-              <a:t>C2L</a:t>
-            </a:r>
-          </a:p>
-        </p:txBody>
-      </p:sp>
-      <p:cxnSp>
-        <p:nvCxnSpPr>
-          <p:cNvPr id="12" name="Straight Arrow Connector 11">
-            <a:extLst>
-              <a:ext uri="{FF2B5EF4-FFF2-40B4-BE49-F238E27FC236}">
-                <a16:creationId xmlns:a16="http://schemas.microsoft.com/office/drawing/2014/main" id="{AF221019-62EE-4945-B900-293618BA2193}"/>
-              </a:ext>
-            </a:extLst>
-          </p:cNvPr>
-          <p:cNvCxnSpPr>
-            <a:cxnSpLocks/>
-            <a:stCxn id="10" idx="2"/>
-            <a:endCxn id="9" idx="6"/>
-          </p:cNvCxnSpPr>
-          <p:nvPr/>
-        </p:nvCxnSpPr>
-        <p:spPr>
-          <a:xfrm flipH="1">
-            <a:off x="6749113" y="4019908"/>
-            <a:ext cx="634482" cy="1"/>
-          </a:xfrm>
-          <a:prstGeom prst="straightConnector1">
-            <a:avLst/>
-          </a:prstGeom>
-          <a:ln w="38100">
-            <a:solidFill>
-              <a:schemeClr val="accent6">
-                <a:lumMod val="75000"/>
-              </a:schemeClr>
-            </a:solidFill>
-            <a:headEnd type="triangle"/>
-            <a:tailEnd type="triangle"/>
-          </a:ln>
-        </p:spPr>
-        <p:style>
-          <a:lnRef idx="1">
-            <a:schemeClr val="accent1"/>
-          </a:lnRef>
-          <a:fillRef idx="0">
-            <a:schemeClr val="accent1"/>
-          </a:fillRef>
-          <a:effectRef idx="0">
-            <a:schemeClr val="accent1"/>
-          </a:effectRef>
-          <a:fontRef idx="minor">
-            <a:schemeClr val="tx1"/>
-          </a:fontRef>
-        </p:style>
-      </p:cxnSp>
-      <p:cxnSp>
-        <p:nvCxnSpPr>
-          <p:cNvPr id="15" name="Straight Arrow Connector 14">
-            <a:extLst>
-              <a:ext uri="{FF2B5EF4-FFF2-40B4-BE49-F238E27FC236}">
-                <a16:creationId xmlns:a16="http://schemas.microsoft.com/office/drawing/2014/main" id="{E74BBDCC-667E-4B19-8B35-7F59DB810F6D}"/>
-              </a:ext>
-            </a:extLst>
-          </p:cNvPr>
-          <p:cNvCxnSpPr>
-            <a:cxnSpLocks/>
-            <a:stCxn id="11" idx="2"/>
-            <a:endCxn id="4" idx="6"/>
-          </p:cNvCxnSpPr>
-          <p:nvPr/>
-        </p:nvCxnSpPr>
-        <p:spPr>
-          <a:xfrm flipH="1">
-            <a:off x="6749113" y="2307566"/>
-            <a:ext cx="634481" cy="0"/>
-          </a:xfrm>
-          <a:prstGeom prst="straightConnector1">
-            <a:avLst/>
-          </a:prstGeom>
-          <a:ln w="38100">
-            <a:solidFill>
-              <a:schemeClr val="accent6">
-                <a:lumMod val="75000"/>
-              </a:schemeClr>
-            </a:solidFill>
-            <a:headEnd type="triangle"/>
-            <a:tailEnd type="triangle"/>
-          </a:ln>
-        </p:spPr>
-        <p:style>
-          <a:lnRef idx="1">
-            <a:schemeClr val="accent1"/>
-          </a:lnRef>
-          <a:fillRef idx="0">
-            <a:schemeClr val="accent1"/>
-          </a:fillRef>
-          <a:effectRef idx="0">
-            <a:schemeClr val="accent1"/>
-          </a:effectRef>
-          <a:fontRef idx="minor">
-            <a:schemeClr val="tx1"/>
-          </a:fontRef>
-        </p:style>
-      </p:cxnSp>
-      <p:cxnSp>
-        <p:nvCxnSpPr>
-          <p:cNvPr id="18" name="Straight Arrow Connector 17">
-            <a:extLst>
-              <a:ext uri="{FF2B5EF4-FFF2-40B4-BE49-F238E27FC236}">
-                <a16:creationId xmlns:a16="http://schemas.microsoft.com/office/drawing/2014/main" id="{E7D35838-B815-4716-BE86-2CAED221F30C}"/>
-              </a:ext>
-            </a:extLst>
-          </p:cNvPr>
-          <p:cNvCxnSpPr/>
-          <p:nvPr/>
-        </p:nvCxnSpPr>
-        <p:spPr>
-          <a:xfrm>
-            <a:off x="7805085" y="2838091"/>
-            <a:ext cx="0" cy="651294"/>
-          </a:xfrm>
-          <a:prstGeom prst="straightConnector1">
-            <a:avLst/>
-          </a:prstGeom>
-          <a:ln w="38100">
-            <a:headEnd type="triangle"/>
-            <a:tailEnd type="triangle"/>
-          </a:ln>
-        </p:spPr>
-        <p:style>
-          <a:lnRef idx="1">
-            <a:schemeClr val="accent1"/>
-          </a:lnRef>
-          <a:fillRef idx="0">
-            <a:schemeClr val="accent1"/>
-          </a:fillRef>
-          <a:effectRef idx="0">
-            <a:schemeClr val="accent1"/>
-          </a:effectRef>
-          <a:fontRef idx="minor">
-            <a:schemeClr val="tx1"/>
-          </a:fontRef>
-        </p:style>
-      </p:cxnSp>
-    </p:spTree>
-    <p:extLst>
-      <p:ext uri="{BB962C8B-B14F-4D97-AF65-F5344CB8AC3E}">
-        <p14:creationId xmlns:p14="http://schemas.microsoft.com/office/powerpoint/2010/main" val="2906821776"/>
-      </p:ext>
-    </p:extLst>
-  </p:cSld>
-  <p:clrMapOvr>
-    <a:masterClrMapping/>
-  </p:clrMapOvr>
-</p:sld>
-</file>
-
-<file path=ppt/slides/slide11.xml><?xml version="1.0" encoding="utf-8"?>
-<p:sld xmlns:a="http://schemas.openxmlformats.org/drawingml/2006/main" xmlns:r="http://schemas.openxmlformats.org/officeDocument/2006/relationships" xmlns:p="http://schemas.openxmlformats.org/presentationml/2006/main">
-  <p:cSld>
-    <p:spTree>
-      <p:nvGrpSpPr>
-        <p:cNvPr id="1" name=""/>
-        <p:cNvGrpSpPr/>
-        <p:nvPr/>
-      </p:nvGrpSpPr>
-      <p:grpSpPr>
-        <a:xfrm>
-          <a:off x="0" y="0"/>
-          <a:ext cx="0" cy="0"/>
-          <a:chOff x="0" y="0"/>
-          <a:chExt cx="0" cy="0"/>
-        </a:xfrm>
-      </p:grpSpPr>
-      <p:cxnSp>
-        <p:nvCxnSpPr>
-          <p:cNvPr id="3" name="Straight Connector 2">
-            <a:extLst>
-              <a:ext uri="{FF2B5EF4-FFF2-40B4-BE49-F238E27FC236}">
-                <a16:creationId xmlns:a16="http://schemas.microsoft.com/office/drawing/2014/main" id="{25261FB3-E289-4EC8-ABEA-AD6E1371FEE8}"/>
-              </a:ext>
-            </a:extLst>
-          </p:cNvPr>
-          <p:cNvCxnSpPr/>
-          <p:nvPr/>
-        </p:nvCxnSpPr>
-        <p:spPr>
-          <a:xfrm>
-            <a:off x="3209731" y="3144416"/>
-            <a:ext cx="4795934" cy="0"/>
-          </a:xfrm>
-          <a:prstGeom prst="line">
-            <a:avLst/>
-          </a:prstGeom>
-          <a:ln w="22225"/>
-        </p:spPr>
-        <p:style>
-          <a:lnRef idx="1">
-            <a:schemeClr val="accent1"/>
-          </a:lnRef>
-          <a:fillRef idx="0">
-            <a:schemeClr val="accent1"/>
-          </a:fillRef>
-          <a:effectRef idx="0">
-            <a:schemeClr val="accent1"/>
-          </a:effectRef>
-          <a:fontRef idx="minor">
-            <a:schemeClr val="tx1"/>
-          </a:fontRef>
-        </p:style>
-      </p:cxnSp>
-      <p:cxnSp>
-        <p:nvCxnSpPr>
-          <p:cNvPr id="4" name="Straight Connector 3">
-            <a:extLst>
-              <a:ext uri="{FF2B5EF4-FFF2-40B4-BE49-F238E27FC236}">
-                <a16:creationId xmlns:a16="http://schemas.microsoft.com/office/drawing/2014/main" id="{2AAE4597-9A1E-4266-A229-0FE0C854DCD1}"/>
-              </a:ext>
-            </a:extLst>
-          </p:cNvPr>
-          <p:cNvCxnSpPr>
-            <a:cxnSpLocks/>
-          </p:cNvCxnSpPr>
-          <p:nvPr/>
-        </p:nvCxnSpPr>
-        <p:spPr>
-          <a:xfrm flipV="1">
-            <a:off x="3368351" y="2155371"/>
-            <a:ext cx="4329404" cy="1931437"/>
-          </a:xfrm>
-          <a:prstGeom prst="line">
-            <a:avLst/>
-          </a:prstGeom>
-          <a:ln w="15875">
-            <a:solidFill>
-              <a:schemeClr val="accent2"/>
-            </a:solidFill>
-          </a:ln>
-        </p:spPr>
-        <p:style>
-          <a:lnRef idx="1">
-            <a:schemeClr val="accent1"/>
-          </a:lnRef>
-          <a:fillRef idx="0">
-            <a:schemeClr val="accent1"/>
-          </a:fillRef>
-          <a:effectRef idx="0">
-            <a:schemeClr val="accent1"/>
-          </a:effectRef>
-          <a:fontRef idx="minor">
-            <a:schemeClr val="tx1"/>
-          </a:fontRef>
-        </p:style>
-      </p:cxnSp>
-      <p:sp>
-        <p:nvSpPr>
-          <p:cNvPr id="7" name="TextBox 6">
-            <a:extLst>
-              <a:ext uri="{FF2B5EF4-FFF2-40B4-BE49-F238E27FC236}">
-                <a16:creationId xmlns:a16="http://schemas.microsoft.com/office/drawing/2014/main" id="{ABB5A9F1-AC08-46FC-8E09-5A164EB31623}"/>
-              </a:ext>
-            </a:extLst>
-          </p:cNvPr>
-          <p:cNvSpPr txBox="1"/>
-          <p:nvPr/>
-        </p:nvSpPr>
-        <p:spPr>
-          <a:xfrm>
-            <a:off x="8229600" y="2936423"/>
-            <a:ext cx="1349728" cy="369332"/>
-          </a:xfrm>
-          <a:prstGeom prst="rect">
-            <a:avLst/>
-          </a:prstGeom>
-          <a:noFill/>
-        </p:spPr>
-        <p:txBody>
-          <a:bodyPr wrap="none" rtlCol="0">
-            <a:spAutoFit/>
-          </a:bodyPr>
-          <a:lstStyle/>
-          <a:p>
-            <a:r>
-              <a:rPr lang="en-US" dirty="0"/>
-              <a:t>Wages ($10)</a:t>
-            </a:r>
-          </a:p>
-        </p:txBody>
-      </p:sp>
-      <p:cxnSp>
-        <p:nvCxnSpPr>
-          <p:cNvPr id="8" name="Straight Connector 7">
-            <a:extLst>
-              <a:ext uri="{FF2B5EF4-FFF2-40B4-BE49-F238E27FC236}">
-                <a16:creationId xmlns:a16="http://schemas.microsoft.com/office/drawing/2014/main" id="{DB9F8FA1-7552-42F4-9C4F-97E6D59B701F}"/>
-              </a:ext>
-            </a:extLst>
-          </p:cNvPr>
-          <p:cNvCxnSpPr/>
-          <p:nvPr/>
-        </p:nvCxnSpPr>
-        <p:spPr>
-          <a:xfrm>
-            <a:off x="3362131" y="3296816"/>
-            <a:ext cx="4795934" cy="0"/>
-          </a:xfrm>
-          <a:prstGeom prst="line">
-            <a:avLst/>
-          </a:prstGeom>
-        </p:spPr>
-        <p:style>
-          <a:lnRef idx="1">
-            <a:schemeClr val="accent1"/>
-          </a:lnRef>
-          <a:fillRef idx="0">
-            <a:schemeClr val="accent1"/>
-          </a:fillRef>
-          <a:effectRef idx="0">
-            <a:schemeClr val="accent1"/>
-          </a:effectRef>
-          <a:fontRef idx="minor">
-            <a:schemeClr val="tx1"/>
-          </a:fontRef>
-        </p:style>
-      </p:cxnSp>
-    </p:spTree>
-    <p:extLst>
-      <p:ext uri="{BB962C8B-B14F-4D97-AF65-F5344CB8AC3E}">
-        <p14:creationId xmlns:p14="http://schemas.microsoft.com/office/powerpoint/2010/main" val="2997828978"/>
-      </p:ext>
-    </p:extLst>
-  </p:cSld>
-  <p:clrMapOvr>
-    <a:masterClrMapping/>
-  </p:clrMapOvr>
-</p:sld>
-</file>
-
-<file path=ppt/slides/slide12.xml><?xml version="1.0" encoding="utf-8"?>
-<p:sld xmlns:a="http://schemas.openxmlformats.org/drawingml/2006/main" xmlns:r="http://schemas.openxmlformats.org/officeDocument/2006/relationships" xmlns:p="http://schemas.openxmlformats.org/presentationml/2006/main">
-  <p:cSld>
-    <p:spTree>
-      <p:nvGrpSpPr>
-        <p:cNvPr id="1" name=""/>
-        <p:cNvGrpSpPr/>
-        <p:nvPr/>
-      </p:nvGrpSpPr>
-      <p:grpSpPr>
-        <a:xfrm>
-          <a:off x="0" y="0"/>
-          <a:ext cx="0" cy="0"/>
-          <a:chOff x="0" y="0"/>
-          <a:chExt cx="0" cy="0"/>
-        </a:xfrm>
-      </p:grpSpPr>
-      <p:cxnSp>
-        <p:nvCxnSpPr>
-          <p:cNvPr id="3" name="Straight Connector 2">
-            <a:extLst>
-              <a:ext uri="{FF2B5EF4-FFF2-40B4-BE49-F238E27FC236}">
-                <a16:creationId xmlns:a16="http://schemas.microsoft.com/office/drawing/2014/main" id="{25261FB3-E289-4EC8-ABEA-AD6E1371FEE8}"/>
-              </a:ext>
-            </a:extLst>
-          </p:cNvPr>
-          <p:cNvCxnSpPr/>
-          <p:nvPr/>
-        </p:nvCxnSpPr>
-        <p:spPr>
-          <a:xfrm>
-            <a:off x="3209731" y="3144416"/>
-            <a:ext cx="4795934" cy="0"/>
-          </a:xfrm>
-          <a:prstGeom prst="line">
-            <a:avLst/>
-          </a:prstGeom>
-          <a:ln w="22225"/>
-        </p:spPr>
-        <p:style>
-          <a:lnRef idx="1">
-            <a:schemeClr val="accent1"/>
-          </a:lnRef>
-          <a:fillRef idx="0">
-            <a:schemeClr val="accent1"/>
-          </a:fillRef>
-          <a:effectRef idx="0">
-            <a:schemeClr val="accent1"/>
-          </a:effectRef>
-          <a:fontRef idx="minor">
-            <a:schemeClr val="tx1"/>
-          </a:fontRef>
-        </p:style>
-      </p:cxnSp>
-      <p:cxnSp>
-        <p:nvCxnSpPr>
-          <p:cNvPr id="4" name="Straight Connector 3">
-            <a:extLst>
-              <a:ext uri="{FF2B5EF4-FFF2-40B4-BE49-F238E27FC236}">
-                <a16:creationId xmlns:a16="http://schemas.microsoft.com/office/drawing/2014/main" id="{2AAE4597-9A1E-4266-A229-0FE0C854DCD1}"/>
-              </a:ext>
-            </a:extLst>
-          </p:cNvPr>
-          <p:cNvCxnSpPr>
-            <a:cxnSpLocks/>
-          </p:cNvCxnSpPr>
-          <p:nvPr/>
-        </p:nvCxnSpPr>
-        <p:spPr>
-          <a:xfrm flipV="1">
-            <a:off x="3209731" y="2127380"/>
-            <a:ext cx="4730620" cy="1017036"/>
-          </a:xfrm>
-          <a:prstGeom prst="line">
-            <a:avLst/>
-          </a:prstGeom>
-          <a:ln w="15875">
-            <a:solidFill>
-              <a:schemeClr val="accent2"/>
-            </a:solidFill>
-          </a:ln>
-        </p:spPr>
-        <p:style>
-          <a:lnRef idx="1">
-            <a:schemeClr val="accent1"/>
-          </a:lnRef>
-          <a:fillRef idx="0">
-            <a:schemeClr val="accent1"/>
-          </a:fillRef>
-          <a:effectRef idx="0">
-            <a:schemeClr val="accent1"/>
-          </a:effectRef>
-          <a:fontRef idx="minor">
-            <a:schemeClr val="tx1"/>
-          </a:fontRef>
-        </p:style>
-      </p:cxnSp>
-      <p:sp>
-        <p:nvSpPr>
-          <p:cNvPr id="7" name="TextBox 6">
-            <a:extLst>
-              <a:ext uri="{FF2B5EF4-FFF2-40B4-BE49-F238E27FC236}">
-                <a16:creationId xmlns:a16="http://schemas.microsoft.com/office/drawing/2014/main" id="{ABB5A9F1-AC08-46FC-8E09-5A164EB31623}"/>
-              </a:ext>
-            </a:extLst>
-          </p:cNvPr>
-          <p:cNvSpPr txBox="1"/>
-          <p:nvPr/>
-        </p:nvSpPr>
-        <p:spPr>
-          <a:xfrm>
-            <a:off x="8229600" y="2936423"/>
-            <a:ext cx="1214628" cy="369332"/>
-          </a:xfrm>
-          <a:prstGeom prst="rect">
-            <a:avLst/>
-          </a:prstGeom>
-          <a:noFill/>
-        </p:spPr>
-        <p:txBody>
-          <a:bodyPr wrap="none" rtlCol="0">
-            <a:spAutoFit/>
-          </a:bodyPr>
-          <a:lstStyle/>
-          <a:p>
-            <a:r>
-              <a:rPr lang="en-US" dirty="0"/>
-              <a:t>Test Scores</a:t>
-            </a:r>
-          </a:p>
-        </p:txBody>
-      </p:sp>
-      <p:cxnSp>
-        <p:nvCxnSpPr>
-          <p:cNvPr id="9" name="Straight Arrow Connector 8">
-            <a:extLst>
-              <a:ext uri="{FF2B5EF4-FFF2-40B4-BE49-F238E27FC236}">
-                <a16:creationId xmlns:a16="http://schemas.microsoft.com/office/drawing/2014/main" id="{36878CCD-581D-44AB-9946-3B9D3F147799}"/>
-              </a:ext>
-            </a:extLst>
-          </p:cNvPr>
-          <p:cNvCxnSpPr>
-            <a:cxnSpLocks/>
-          </p:cNvCxnSpPr>
-          <p:nvPr/>
-        </p:nvCxnSpPr>
-        <p:spPr>
-          <a:xfrm>
-            <a:off x="7725747" y="2337318"/>
-            <a:ext cx="0" cy="807098"/>
-          </a:xfrm>
-          <a:prstGeom prst="straightConnector1">
-            <a:avLst/>
-          </a:prstGeom>
-          <a:ln w="28575">
-            <a:headEnd type="triangle"/>
-            <a:tailEnd type="triangle"/>
-          </a:ln>
-        </p:spPr>
-        <p:style>
-          <a:lnRef idx="1">
-            <a:schemeClr val="accent1"/>
-          </a:lnRef>
-          <a:fillRef idx="0">
-            <a:schemeClr val="accent1"/>
-          </a:fillRef>
-          <a:effectRef idx="0">
-            <a:schemeClr val="accent1"/>
-          </a:effectRef>
-          <a:fontRef idx="minor">
-            <a:schemeClr val="tx1"/>
-          </a:fontRef>
-        </p:style>
-      </p:cxnSp>
-      <p:cxnSp>
-        <p:nvCxnSpPr>
-          <p:cNvPr id="11" name="Straight Arrow Connector 10">
-            <a:extLst>
-              <a:ext uri="{FF2B5EF4-FFF2-40B4-BE49-F238E27FC236}">
-                <a16:creationId xmlns:a16="http://schemas.microsoft.com/office/drawing/2014/main" id="{8E283E80-190D-485F-BC14-082B55EF81C8}"/>
-              </a:ext>
-            </a:extLst>
-          </p:cNvPr>
-          <p:cNvCxnSpPr>
-            <a:cxnSpLocks/>
-          </p:cNvCxnSpPr>
-          <p:nvPr/>
-        </p:nvCxnSpPr>
-        <p:spPr>
-          <a:xfrm>
-            <a:off x="6926425" y="2337318"/>
-            <a:ext cx="0" cy="807098"/>
-          </a:xfrm>
-          <a:prstGeom prst="straightConnector1">
-            <a:avLst/>
-          </a:prstGeom>
-          <a:ln w="28575">
-            <a:headEnd type="triangle"/>
-            <a:tailEnd type="triangle"/>
-          </a:ln>
-        </p:spPr>
-        <p:style>
-          <a:lnRef idx="1">
-            <a:schemeClr val="accent1"/>
-          </a:lnRef>
-          <a:fillRef idx="0">
-            <a:schemeClr val="accent1"/>
-          </a:fillRef>
-          <a:effectRef idx="0">
-            <a:schemeClr val="accent1"/>
-          </a:effectRef>
-          <a:fontRef idx="minor">
-            <a:schemeClr val="tx1"/>
-          </a:fontRef>
-        </p:style>
-      </p:cxnSp>
-      <p:cxnSp>
-        <p:nvCxnSpPr>
-          <p:cNvPr id="12" name="Straight Arrow Connector 11">
-            <a:extLst>
-              <a:ext uri="{FF2B5EF4-FFF2-40B4-BE49-F238E27FC236}">
-                <a16:creationId xmlns:a16="http://schemas.microsoft.com/office/drawing/2014/main" id="{87E73E33-983D-4E1D-83DC-B373D7ECC5DB}"/>
-              </a:ext>
-            </a:extLst>
-          </p:cNvPr>
-          <p:cNvCxnSpPr>
-            <a:cxnSpLocks/>
-          </p:cNvCxnSpPr>
-          <p:nvPr/>
-        </p:nvCxnSpPr>
-        <p:spPr>
-          <a:xfrm>
-            <a:off x="5900057" y="2337318"/>
-            <a:ext cx="0" cy="807098"/>
-          </a:xfrm>
-          <a:prstGeom prst="straightConnector1">
-            <a:avLst/>
-          </a:prstGeom>
-          <a:ln w="28575">
-            <a:headEnd type="triangle"/>
-            <a:tailEnd type="triangle"/>
-          </a:ln>
-        </p:spPr>
-        <p:style>
-          <a:lnRef idx="1">
-            <a:schemeClr val="accent1"/>
-          </a:lnRef>
-          <a:fillRef idx="0">
-            <a:schemeClr val="accent1"/>
-          </a:fillRef>
-          <a:effectRef idx="0">
-            <a:schemeClr val="accent1"/>
-          </a:effectRef>
-          <a:fontRef idx="minor">
-            <a:schemeClr val="tx1"/>
-          </a:fontRef>
-        </p:style>
-      </p:cxnSp>
-      <p:cxnSp>
-        <p:nvCxnSpPr>
-          <p:cNvPr id="13" name="Straight Arrow Connector 12">
-            <a:extLst>
-              <a:ext uri="{FF2B5EF4-FFF2-40B4-BE49-F238E27FC236}">
-                <a16:creationId xmlns:a16="http://schemas.microsoft.com/office/drawing/2014/main" id="{1EA3D696-F68E-41E7-B44F-69C6FD3E1DAD}"/>
-              </a:ext>
-            </a:extLst>
-          </p:cNvPr>
-          <p:cNvCxnSpPr>
-            <a:cxnSpLocks/>
-          </p:cNvCxnSpPr>
-          <p:nvPr/>
-        </p:nvCxnSpPr>
-        <p:spPr>
-          <a:xfrm>
-            <a:off x="4649755" y="2337318"/>
-            <a:ext cx="0" cy="807098"/>
-          </a:xfrm>
-          <a:prstGeom prst="straightConnector1">
-            <a:avLst/>
-          </a:prstGeom>
-          <a:ln w="28575">
-            <a:headEnd type="triangle"/>
-            <a:tailEnd type="triangle"/>
-          </a:ln>
-        </p:spPr>
-        <p:style>
-          <a:lnRef idx="1">
-            <a:schemeClr val="accent1"/>
-          </a:lnRef>
-          <a:fillRef idx="0">
-            <a:schemeClr val="accent1"/>
-          </a:fillRef>
-          <a:effectRef idx="0">
-            <a:schemeClr val="accent1"/>
-          </a:effectRef>
-          <a:fontRef idx="minor">
-            <a:schemeClr val="tx1"/>
-          </a:fontRef>
-        </p:style>
-      </p:cxnSp>
-    </p:spTree>
-    <p:extLst>
-      <p:ext uri="{BB962C8B-B14F-4D97-AF65-F5344CB8AC3E}">
-        <p14:creationId xmlns:p14="http://schemas.microsoft.com/office/powerpoint/2010/main" val="3018151823"/>
-      </p:ext>
-    </p:extLst>
-  </p:cSld>
-  <p:clrMapOvr>
-    <a:masterClrMapping/>
-  </p:clrMapOvr>
-</p:sld>
-</file>
-
-<file path=ppt/slides/slide13.xml><?xml version="1.0" encoding="utf-8"?>
 <p:sld xmlns:a="http://schemas.openxmlformats.org/drawingml/2006/main" xmlns:r="http://schemas.openxmlformats.org/officeDocument/2006/relationships" xmlns:p="http://schemas.openxmlformats.org/presentationml/2006/main">
   <p:cSld>
     <p:spTree>
